--- a/apresentação_apendices.pptx
+++ b/apresentação_apendices.pptx
@@ -3244,13 +3244,13 @@
   <p:clrMapOvr>
     <a:masterClrMapping/>
   </p:clrMapOvr>
-  <mc:AlternateContent xmlns:mc="http://schemas.openxmlformats.org/markup-compatibility/2006">
-    <mc:Choice xmlns:p14="http://schemas.microsoft.com/office/powerpoint/2010/main" Requires="p14">
+  <mc:AlternateContent xmlns:mc="http://schemas.openxmlformats.org/markup-compatibility/2006" xmlns:p14="http://schemas.microsoft.com/office/powerpoint/2010/main">
+    <mc:Choice Requires="p14">
       <p:transition p14:dur="100">
         <p:cut/>
       </p:transition>
     </mc:Choice>
-    <mc:Fallback>
+    <mc:Fallback xmlns="">
       <p:transition>
         <p:cut/>
       </p:transition>
@@ -5243,13 +5243,13 @@
   <p:clrMapOvr>
     <a:masterClrMapping/>
   </p:clrMapOvr>
-  <mc:AlternateContent xmlns:mc="http://schemas.openxmlformats.org/markup-compatibility/2006">
-    <mc:Choice xmlns:p14="http://schemas.microsoft.com/office/powerpoint/2010/main" Requires="p14">
+  <mc:AlternateContent xmlns:mc="http://schemas.openxmlformats.org/markup-compatibility/2006" xmlns:p14="http://schemas.microsoft.com/office/powerpoint/2010/main">
+    <mc:Choice Requires="p14">
       <p:transition p14:dur="100">
         <p:cut/>
       </p:transition>
     </mc:Choice>
-    <mc:Fallback>
+    <mc:Fallback xmlns="">
       <p:transition>
         <p:cut/>
       </p:transition>
@@ -5924,13 +5924,13 @@
   <p:clrMapOvr>
     <a:masterClrMapping/>
   </p:clrMapOvr>
-  <mc:AlternateContent xmlns:mc="http://schemas.openxmlformats.org/markup-compatibility/2006">
-    <mc:Choice xmlns:p14="http://schemas.microsoft.com/office/powerpoint/2010/main" Requires="p14">
+  <mc:AlternateContent xmlns:mc="http://schemas.openxmlformats.org/markup-compatibility/2006" xmlns:p14="http://schemas.microsoft.com/office/powerpoint/2010/main">
+    <mc:Choice Requires="p14">
       <p:transition p14:dur="100">
         <p:cut/>
       </p:transition>
     </mc:Choice>
-    <mc:Fallback>
+    <mc:Fallback xmlns="">
       <p:transition>
         <p:cut/>
       </p:transition>
@@ -6079,13 +6079,13 @@
   <p:clrMapOvr>
     <a:masterClrMapping/>
   </p:clrMapOvr>
-  <mc:AlternateContent xmlns:mc="http://schemas.openxmlformats.org/markup-compatibility/2006">
-    <mc:Choice xmlns:p14="http://schemas.microsoft.com/office/powerpoint/2010/main" Requires="p14">
+  <mc:AlternateContent xmlns:mc="http://schemas.openxmlformats.org/markup-compatibility/2006" xmlns:p14="http://schemas.microsoft.com/office/powerpoint/2010/main">
+    <mc:Choice Requires="p14">
       <p:transition p14:dur="100">
         <p:cut/>
       </p:transition>
     </mc:Choice>
-    <mc:Fallback>
+    <mc:Fallback xmlns="">
       <p:transition>
         <p:cut/>
       </p:transition>
@@ -7076,13 +7076,13 @@
   <p:clrMapOvr>
     <a:masterClrMapping/>
   </p:clrMapOvr>
-  <mc:AlternateContent xmlns:mc="http://schemas.openxmlformats.org/markup-compatibility/2006">
-    <mc:Choice xmlns:p14="http://schemas.microsoft.com/office/powerpoint/2010/main" Requires="p14">
+  <mc:AlternateContent xmlns:mc="http://schemas.openxmlformats.org/markup-compatibility/2006" xmlns:p14="http://schemas.microsoft.com/office/powerpoint/2010/main">
+    <mc:Choice Requires="p14">
       <p:transition spd="med" p14:dur="700">
         <p:fade/>
       </p:transition>
     </mc:Choice>
-    <mc:Fallback>
+    <mc:Fallback xmlns="">
       <p:transition spd="med">
         <p:fade/>
       </p:transition>
